--- a/assets/images/icon.pptx
+++ b/assets/images/icon.pptx
@@ -2991,8 +2991,8 @@
         </p:blipFill>
         <p:spPr>
           <a:xfrm>
-            <a:off x="301753" y="356616"/>
-            <a:ext cx="2523744" cy="5677312"/>
+            <a:off x="301752" y="356615"/>
+            <a:ext cx="2752343" cy="6191559"/>
           </a:xfrm>
           <a:prstGeom prst="rect">
             <a:avLst/>

--- a/assets/images/icon.pptx
+++ b/assets/images/icon.pptx
@@ -243,7 +243,7 @@
           <a:p>
             <a:fld id="{344ACE73-EA92-48A5-B68E-4F16F28B9D45}" type="datetimeFigureOut">
               <a:rPr lang="zh-CN" altLang="en-US" smtClean="0"/>
-              <a:t>2018/5/16</a:t>
+              <a:t>2018/5/30</a:t>
             </a:fld>
             <a:endParaRPr lang="zh-CN" altLang="en-US"/>
           </a:p>
@@ -413,7 +413,7 @@
           <a:p>
             <a:fld id="{344ACE73-EA92-48A5-B68E-4F16F28B9D45}" type="datetimeFigureOut">
               <a:rPr lang="zh-CN" altLang="en-US" smtClean="0"/>
-              <a:t>2018/5/16</a:t>
+              <a:t>2018/5/30</a:t>
             </a:fld>
             <a:endParaRPr lang="zh-CN" altLang="en-US"/>
           </a:p>
@@ -593,7 +593,7 @@
           <a:p>
             <a:fld id="{344ACE73-EA92-48A5-B68E-4F16F28B9D45}" type="datetimeFigureOut">
               <a:rPr lang="zh-CN" altLang="en-US" smtClean="0"/>
-              <a:t>2018/5/16</a:t>
+              <a:t>2018/5/30</a:t>
             </a:fld>
             <a:endParaRPr lang="zh-CN" altLang="en-US"/>
           </a:p>
@@ -763,7 +763,7 @@
           <a:p>
             <a:fld id="{344ACE73-EA92-48A5-B68E-4F16F28B9D45}" type="datetimeFigureOut">
               <a:rPr lang="zh-CN" altLang="en-US" smtClean="0"/>
-              <a:t>2018/5/16</a:t>
+              <a:t>2018/5/30</a:t>
             </a:fld>
             <a:endParaRPr lang="zh-CN" altLang="en-US"/>
           </a:p>
@@ -1009,7 +1009,7 @@
           <a:p>
             <a:fld id="{344ACE73-EA92-48A5-B68E-4F16F28B9D45}" type="datetimeFigureOut">
               <a:rPr lang="zh-CN" altLang="en-US" smtClean="0"/>
-              <a:t>2018/5/16</a:t>
+              <a:t>2018/5/30</a:t>
             </a:fld>
             <a:endParaRPr lang="zh-CN" altLang="en-US"/>
           </a:p>
@@ -1241,7 +1241,7 @@
           <a:p>
             <a:fld id="{344ACE73-EA92-48A5-B68E-4F16F28B9D45}" type="datetimeFigureOut">
               <a:rPr lang="zh-CN" altLang="en-US" smtClean="0"/>
-              <a:t>2018/5/16</a:t>
+              <a:t>2018/5/30</a:t>
             </a:fld>
             <a:endParaRPr lang="zh-CN" altLang="en-US"/>
           </a:p>
@@ -1608,7 +1608,7 @@
           <a:p>
             <a:fld id="{344ACE73-EA92-48A5-B68E-4F16F28B9D45}" type="datetimeFigureOut">
               <a:rPr lang="zh-CN" altLang="en-US" smtClean="0"/>
-              <a:t>2018/5/16</a:t>
+              <a:t>2018/5/30</a:t>
             </a:fld>
             <a:endParaRPr lang="zh-CN" altLang="en-US"/>
           </a:p>
@@ -1726,7 +1726,7 @@
           <a:p>
             <a:fld id="{344ACE73-EA92-48A5-B68E-4F16F28B9D45}" type="datetimeFigureOut">
               <a:rPr lang="zh-CN" altLang="en-US" smtClean="0"/>
-              <a:t>2018/5/16</a:t>
+              <a:t>2018/5/30</a:t>
             </a:fld>
             <a:endParaRPr lang="zh-CN" altLang="en-US"/>
           </a:p>
@@ -1821,7 +1821,7 @@
           <a:p>
             <a:fld id="{344ACE73-EA92-48A5-B68E-4F16F28B9D45}" type="datetimeFigureOut">
               <a:rPr lang="zh-CN" altLang="en-US" smtClean="0"/>
-              <a:t>2018/5/16</a:t>
+              <a:t>2018/5/30</a:t>
             </a:fld>
             <a:endParaRPr lang="zh-CN" altLang="en-US"/>
           </a:p>
@@ -2098,7 +2098,7 @@
           <a:p>
             <a:fld id="{344ACE73-EA92-48A5-B68E-4F16F28B9D45}" type="datetimeFigureOut">
               <a:rPr lang="zh-CN" altLang="en-US" smtClean="0"/>
-              <a:t>2018/5/16</a:t>
+              <a:t>2018/5/30</a:t>
             </a:fld>
             <a:endParaRPr lang="zh-CN" altLang="en-US"/>
           </a:p>
@@ -2351,7 +2351,7 @@
           <a:p>
             <a:fld id="{344ACE73-EA92-48A5-B68E-4F16F28B9D45}" type="datetimeFigureOut">
               <a:rPr lang="zh-CN" altLang="en-US" smtClean="0"/>
-              <a:t>2018/5/16</a:t>
+              <a:t>2018/5/30</a:t>
             </a:fld>
             <a:endParaRPr lang="zh-CN" altLang="en-US"/>
           </a:p>
@@ -2564,7 +2564,7 @@
           <a:p>
             <a:fld id="{344ACE73-EA92-48A5-B68E-4F16F28B9D45}" type="datetimeFigureOut">
               <a:rPr lang="zh-CN" altLang="en-US" smtClean="0"/>
-              <a:t>2018/5/16</a:t>
+              <a:t>2018/5/30</a:t>
             </a:fld>
             <a:endParaRPr lang="zh-CN" altLang="en-US"/>
           </a:p>
@@ -3296,6 +3296,104 @@
           </p:spPr>
         </p:pic>
       </p:grpSp>
+      <p:grpSp>
+        <p:nvGrpSpPr>
+          <p:cNvPr id="6" name="组合 5"/>
+          <p:cNvGrpSpPr/>
+          <p:nvPr/>
+        </p:nvGrpSpPr>
+        <p:grpSpPr>
+          <a:xfrm>
+            <a:off x="8160258" y="3590750"/>
+            <a:ext cx="2281428" cy="2281428"/>
+            <a:chOff x="8160258" y="3590750"/>
+            <a:chExt cx="2281428" cy="2281428"/>
+          </a:xfrm>
+        </p:grpSpPr>
+        <p:sp>
+          <p:nvSpPr>
+            <p:cNvPr id="16" name="矩形 15"/>
+            <p:cNvSpPr/>
+            <p:nvPr/>
+          </p:nvSpPr>
+          <p:spPr>
+            <a:xfrm>
+              <a:off x="8160258" y="3590750"/>
+              <a:ext cx="2281428" cy="2281428"/>
+            </a:xfrm>
+            <a:prstGeom prst="rect">
+              <a:avLst/>
+            </a:prstGeom>
+            <a:solidFill>
+              <a:srgbClr val="22AC38"/>
+            </a:solidFill>
+            <a:ln>
+              <a:solidFill>
+                <a:srgbClr val="22AC38"/>
+              </a:solidFill>
+            </a:ln>
+          </p:spPr>
+          <p:style>
+            <a:lnRef idx="2">
+              <a:schemeClr val="accent1">
+                <a:shade val="50000"/>
+              </a:schemeClr>
+            </a:lnRef>
+            <a:fillRef idx="1">
+              <a:schemeClr val="accent1"/>
+            </a:fillRef>
+            <a:effectRef idx="0">
+              <a:schemeClr val="accent1"/>
+            </a:effectRef>
+            <a:fontRef idx="minor">
+              <a:schemeClr val="lt1"/>
+            </a:fontRef>
+          </p:style>
+          <p:txBody>
+            <a:bodyPr rtlCol="0" anchor="ctr"/>
+            <a:lstStyle/>
+            <a:p>
+              <a:pPr algn="ctr"/>
+              <a:endParaRPr lang="zh-CN" altLang="en-US"/>
+            </a:p>
+          </p:txBody>
+        </p:sp>
+        <p:pic>
+          <p:nvPicPr>
+            <p:cNvPr id="3" name="图片 2"/>
+            <p:cNvPicPr>
+              <a:picLocks noChangeAspect="1"/>
+            </p:cNvPicPr>
+            <p:nvPr/>
+          </p:nvPicPr>
+          <p:blipFill>
+            <a:blip r:embed="rId6">
+              <a:extLst>
+                <a:ext uri="{28A0092B-C50C-407E-A947-70E740481C1C}">
+                  <a14:useLocalDpi xmlns:a14="http://schemas.microsoft.com/office/drawing/2010/main" val="0"/>
+                </a:ext>
+              </a:extLst>
+            </a:blip>
+            <a:stretch>
+              <a:fillRect/>
+            </a:stretch>
+          </p:blipFill>
+          <p:spPr>
+            <a:xfrm>
+              <a:off x="8691372" y="4121864"/>
+              <a:ext cx="1219200" cy="1219200"/>
+            </a:xfrm>
+            <a:prstGeom prst="rect">
+              <a:avLst/>
+            </a:prstGeom>
+            <a:ln>
+              <a:solidFill>
+                <a:srgbClr val="22AC38"/>
+              </a:solidFill>
+            </a:ln>
+          </p:spPr>
+        </p:pic>
+      </p:grpSp>
     </p:spTree>
     <p:extLst>
       <p:ext uri="{BB962C8B-B14F-4D97-AF65-F5344CB8AC3E}">

--- a/assets/images/icon.pptx
+++ b/assets/images/icon.pptx
@@ -6,6 +6,7 @@
   </p:sldMasterIdLst>
   <p:sldIdLst>
     <p:sldId id="256" r:id="rId2"/>
+    <p:sldId id="257" r:id="rId3"/>
   </p:sldIdLst>
   <p:sldSz cx="12192000" cy="6858000"/>
   <p:notesSz cx="6858000" cy="9144000"/>
@@ -243,7 +244,7 @@
           <a:p>
             <a:fld id="{344ACE73-EA92-48A5-B68E-4F16F28B9D45}" type="datetimeFigureOut">
               <a:rPr lang="zh-CN" altLang="en-US" smtClean="0"/>
-              <a:t>2018/5/30</a:t>
+              <a:t>2018/6/7</a:t>
             </a:fld>
             <a:endParaRPr lang="zh-CN" altLang="en-US"/>
           </a:p>
@@ -413,7 +414,7 @@
           <a:p>
             <a:fld id="{344ACE73-EA92-48A5-B68E-4F16F28B9D45}" type="datetimeFigureOut">
               <a:rPr lang="zh-CN" altLang="en-US" smtClean="0"/>
-              <a:t>2018/5/30</a:t>
+              <a:t>2018/6/7</a:t>
             </a:fld>
             <a:endParaRPr lang="zh-CN" altLang="en-US"/>
           </a:p>
@@ -593,7 +594,7 @@
           <a:p>
             <a:fld id="{344ACE73-EA92-48A5-B68E-4F16F28B9D45}" type="datetimeFigureOut">
               <a:rPr lang="zh-CN" altLang="en-US" smtClean="0"/>
-              <a:t>2018/5/30</a:t>
+              <a:t>2018/6/7</a:t>
             </a:fld>
             <a:endParaRPr lang="zh-CN" altLang="en-US"/>
           </a:p>
@@ -763,7 +764,7 @@
           <a:p>
             <a:fld id="{344ACE73-EA92-48A5-B68E-4F16F28B9D45}" type="datetimeFigureOut">
               <a:rPr lang="zh-CN" altLang="en-US" smtClean="0"/>
-              <a:t>2018/5/30</a:t>
+              <a:t>2018/6/7</a:t>
             </a:fld>
             <a:endParaRPr lang="zh-CN" altLang="en-US"/>
           </a:p>
@@ -1009,7 +1010,7 @@
           <a:p>
             <a:fld id="{344ACE73-EA92-48A5-B68E-4F16F28B9D45}" type="datetimeFigureOut">
               <a:rPr lang="zh-CN" altLang="en-US" smtClean="0"/>
-              <a:t>2018/5/30</a:t>
+              <a:t>2018/6/7</a:t>
             </a:fld>
             <a:endParaRPr lang="zh-CN" altLang="en-US"/>
           </a:p>
@@ -1241,7 +1242,7 @@
           <a:p>
             <a:fld id="{344ACE73-EA92-48A5-B68E-4F16F28B9D45}" type="datetimeFigureOut">
               <a:rPr lang="zh-CN" altLang="en-US" smtClean="0"/>
-              <a:t>2018/5/30</a:t>
+              <a:t>2018/6/7</a:t>
             </a:fld>
             <a:endParaRPr lang="zh-CN" altLang="en-US"/>
           </a:p>
@@ -1608,7 +1609,7 @@
           <a:p>
             <a:fld id="{344ACE73-EA92-48A5-B68E-4F16F28B9D45}" type="datetimeFigureOut">
               <a:rPr lang="zh-CN" altLang="en-US" smtClean="0"/>
-              <a:t>2018/5/30</a:t>
+              <a:t>2018/6/7</a:t>
             </a:fld>
             <a:endParaRPr lang="zh-CN" altLang="en-US"/>
           </a:p>
@@ -1726,7 +1727,7 @@
           <a:p>
             <a:fld id="{344ACE73-EA92-48A5-B68E-4F16F28B9D45}" type="datetimeFigureOut">
               <a:rPr lang="zh-CN" altLang="en-US" smtClean="0"/>
-              <a:t>2018/5/30</a:t>
+              <a:t>2018/6/7</a:t>
             </a:fld>
             <a:endParaRPr lang="zh-CN" altLang="en-US"/>
           </a:p>
@@ -1821,7 +1822,7 @@
           <a:p>
             <a:fld id="{344ACE73-EA92-48A5-B68E-4F16F28B9D45}" type="datetimeFigureOut">
               <a:rPr lang="zh-CN" altLang="en-US" smtClean="0"/>
-              <a:t>2018/5/30</a:t>
+              <a:t>2018/6/7</a:t>
             </a:fld>
             <a:endParaRPr lang="zh-CN" altLang="en-US"/>
           </a:p>
@@ -2098,7 +2099,7 @@
           <a:p>
             <a:fld id="{344ACE73-EA92-48A5-B68E-4F16F28B9D45}" type="datetimeFigureOut">
               <a:rPr lang="zh-CN" altLang="en-US" smtClean="0"/>
-              <a:t>2018/5/30</a:t>
+              <a:t>2018/6/7</a:t>
             </a:fld>
             <a:endParaRPr lang="zh-CN" altLang="en-US"/>
           </a:p>
@@ -2351,7 +2352,7 @@
           <a:p>
             <a:fld id="{344ACE73-EA92-48A5-B68E-4F16F28B9D45}" type="datetimeFigureOut">
               <a:rPr lang="zh-CN" altLang="en-US" smtClean="0"/>
-              <a:t>2018/5/30</a:t>
+              <a:t>2018/6/7</a:t>
             </a:fld>
             <a:endParaRPr lang="zh-CN" altLang="en-US"/>
           </a:p>
@@ -2564,7 +2565,7 @@
           <a:p>
             <a:fld id="{344ACE73-EA92-48A5-B68E-4F16F28B9D45}" type="datetimeFigureOut">
               <a:rPr lang="zh-CN" altLang="en-US" smtClean="0"/>
-              <a:t>2018/5/30</a:t>
+              <a:t>2018/6/7</a:t>
             </a:fld>
             <a:endParaRPr lang="zh-CN" altLang="en-US"/>
           </a:p>
@@ -3407,6 +3408,455 @@
 </p:sld>
 </file>
 
+<file path=ppt/slides/slide2.xml><?xml version="1.0" encoding="utf-8"?>
+<p:sld xmlns:a="http://schemas.openxmlformats.org/drawingml/2006/main" xmlns:r="http://schemas.openxmlformats.org/officeDocument/2006/relationships" xmlns:p="http://schemas.openxmlformats.org/presentationml/2006/main">
+  <p:cSld>
+    <p:spTree>
+      <p:nvGrpSpPr>
+        <p:cNvPr id="1" name=""/>
+        <p:cNvGrpSpPr/>
+        <p:nvPr/>
+      </p:nvGrpSpPr>
+      <p:grpSpPr>
+        <a:xfrm>
+          <a:off x="0" y="0"/>
+          <a:ext cx="0" cy="0"/>
+          <a:chOff x="0" y="0"/>
+          <a:chExt cx="0" cy="0"/>
+        </a:xfrm>
+      </p:grpSpPr>
+      <p:grpSp>
+        <p:nvGrpSpPr>
+          <p:cNvPr id="13" name="组合 12"/>
+          <p:cNvGrpSpPr/>
+          <p:nvPr/>
+        </p:nvGrpSpPr>
+        <p:grpSpPr>
+          <a:xfrm>
+            <a:off x="8160258" y="695150"/>
+            <a:ext cx="2281428" cy="2281428"/>
+            <a:chOff x="8151114" y="1792430"/>
+            <a:chExt cx="2281428" cy="2281428"/>
+          </a:xfrm>
+        </p:grpSpPr>
+        <p:sp>
+          <p:nvSpPr>
+            <p:cNvPr id="10" name="矩形 9"/>
+            <p:cNvSpPr/>
+            <p:nvPr/>
+          </p:nvSpPr>
+          <p:spPr>
+            <a:xfrm>
+              <a:off x="8151114" y="1792430"/>
+              <a:ext cx="2281428" cy="2281428"/>
+            </a:xfrm>
+            <a:prstGeom prst="rect">
+              <a:avLst/>
+            </a:prstGeom>
+            <a:solidFill>
+              <a:srgbClr val="FFC000"/>
+            </a:solidFill>
+            <a:ln>
+              <a:solidFill>
+                <a:srgbClr val="FFC000"/>
+              </a:solidFill>
+            </a:ln>
+          </p:spPr>
+          <p:style>
+            <a:lnRef idx="2">
+              <a:schemeClr val="accent1">
+                <a:shade val="50000"/>
+              </a:schemeClr>
+            </a:lnRef>
+            <a:fillRef idx="1">
+              <a:schemeClr val="accent1"/>
+            </a:fillRef>
+            <a:effectRef idx="0">
+              <a:schemeClr val="accent1"/>
+            </a:effectRef>
+            <a:fontRef idx="minor">
+              <a:schemeClr val="lt1"/>
+            </a:fontRef>
+          </p:style>
+          <p:txBody>
+            <a:bodyPr rtlCol="0" anchor="ctr"/>
+            <a:lstStyle/>
+            <a:p>
+              <a:pPr algn="ctr"/>
+              <a:endParaRPr lang="zh-CN" altLang="en-US">
+                <a:solidFill>
+                  <a:schemeClr val="accent2">
+                    <a:lumMod val="60000"/>
+                    <a:lumOff val="40000"/>
+                  </a:schemeClr>
+                </a:solidFill>
+              </a:endParaRPr>
+            </a:p>
+          </p:txBody>
+        </p:sp>
+        <p:pic>
+          <p:nvPicPr>
+            <p:cNvPr id="12" name="图片 11"/>
+            <p:cNvPicPr>
+              <a:picLocks noChangeAspect="1"/>
+            </p:cNvPicPr>
+            <p:nvPr/>
+          </p:nvPicPr>
+          <p:blipFill>
+            <a:blip r:embed="rId2">
+              <a:extLst>
+                <a:ext uri="{28A0092B-C50C-407E-A947-70E740481C1C}">
+                  <a14:useLocalDpi xmlns:a14="http://schemas.microsoft.com/office/drawing/2010/main" val="0"/>
+                </a:ext>
+              </a:extLst>
+            </a:blip>
+            <a:stretch>
+              <a:fillRect/>
+            </a:stretch>
+          </p:blipFill>
+          <p:spPr>
+            <a:xfrm>
+              <a:off x="8350099" y="1991414"/>
+              <a:ext cx="1883458" cy="1883458"/>
+            </a:xfrm>
+            <a:prstGeom prst="rect">
+              <a:avLst/>
+            </a:prstGeom>
+          </p:spPr>
+        </p:pic>
+      </p:grpSp>
+      <p:grpSp>
+        <p:nvGrpSpPr>
+          <p:cNvPr id="20" name="组合 19"/>
+          <p:cNvGrpSpPr/>
+          <p:nvPr/>
+        </p:nvGrpSpPr>
+        <p:grpSpPr>
+          <a:xfrm>
+            <a:off x="5054345" y="3590750"/>
+            <a:ext cx="2281428" cy="2281428"/>
+            <a:chOff x="5054345" y="3590750"/>
+            <a:chExt cx="2281428" cy="2281428"/>
+          </a:xfrm>
+        </p:grpSpPr>
+        <p:sp>
+          <p:nvSpPr>
+            <p:cNvPr id="15" name="矩形 14"/>
+            <p:cNvSpPr/>
+            <p:nvPr/>
+          </p:nvSpPr>
+          <p:spPr>
+            <a:xfrm>
+              <a:off x="5054345" y="3590750"/>
+              <a:ext cx="2281428" cy="2281428"/>
+            </a:xfrm>
+            <a:prstGeom prst="rect">
+              <a:avLst/>
+            </a:prstGeom>
+            <a:solidFill>
+              <a:schemeClr val="bg1">
+                <a:lumMod val="85000"/>
+              </a:schemeClr>
+            </a:solidFill>
+            <a:ln>
+              <a:solidFill>
+                <a:schemeClr val="bg1">
+                  <a:lumMod val="85000"/>
+                </a:schemeClr>
+              </a:solidFill>
+            </a:ln>
+          </p:spPr>
+          <p:style>
+            <a:lnRef idx="2">
+              <a:schemeClr val="accent1">
+                <a:shade val="50000"/>
+              </a:schemeClr>
+            </a:lnRef>
+            <a:fillRef idx="1">
+              <a:schemeClr val="accent1"/>
+            </a:fillRef>
+            <a:effectRef idx="0">
+              <a:schemeClr val="accent1"/>
+            </a:effectRef>
+            <a:fontRef idx="minor">
+              <a:schemeClr val="lt1"/>
+            </a:fontRef>
+          </p:style>
+          <p:txBody>
+            <a:bodyPr rtlCol="0" anchor="ctr"/>
+            <a:lstStyle/>
+            <a:p>
+              <a:pPr algn="ctr"/>
+              <a:endParaRPr lang="zh-CN" altLang="en-US">
+                <a:solidFill>
+                  <a:schemeClr val="accent2">
+                    <a:lumMod val="60000"/>
+                    <a:lumOff val="40000"/>
+                  </a:schemeClr>
+                </a:solidFill>
+              </a:endParaRPr>
+            </a:p>
+          </p:txBody>
+        </p:sp>
+        <p:pic>
+          <p:nvPicPr>
+            <p:cNvPr id="19" name="图片 18"/>
+            <p:cNvPicPr>
+              <a:picLocks noChangeAspect="1"/>
+            </p:cNvPicPr>
+            <p:nvPr/>
+          </p:nvPicPr>
+          <p:blipFill>
+            <a:blip r:embed="rId3">
+              <a:extLst>
+                <a:ext uri="{28A0092B-C50C-407E-A947-70E740481C1C}">
+                  <a14:useLocalDpi xmlns:a14="http://schemas.microsoft.com/office/drawing/2010/main" val="0"/>
+                </a:ext>
+              </a:extLst>
+            </a:blip>
+            <a:stretch>
+              <a:fillRect/>
+            </a:stretch>
+          </p:blipFill>
+          <p:spPr>
+            <a:xfrm>
+              <a:off x="5336821" y="3877468"/>
+              <a:ext cx="1707992" cy="1707992"/>
+            </a:xfrm>
+            <a:prstGeom prst="rect">
+              <a:avLst/>
+            </a:prstGeom>
+          </p:spPr>
+        </p:pic>
+      </p:grpSp>
+      <p:grpSp>
+        <p:nvGrpSpPr>
+          <p:cNvPr id="6" name="组合 5"/>
+          <p:cNvGrpSpPr/>
+          <p:nvPr/>
+        </p:nvGrpSpPr>
+        <p:grpSpPr>
+          <a:xfrm>
+            <a:off x="8160258" y="3590750"/>
+            <a:ext cx="2281428" cy="2281428"/>
+            <a:chOff x="8160258" y="3590750"/>
+            <a:chExt cx="2281428" cy="2281428"/>
+          </a:xfrm>
+        </p:grpSpPr>
+        <p:sp>
+          <p:nvSpPr>
+            <p:cNvPr id="16" name="矩形 15"/>
+            <p:cNvSpPr/>
+            <p:nvPr/>
+          </p:nvSpPr>
+          <p:spPr>
+            <a:xfrm>
+              <a:off x="8160258" y="3590750"/>
+              <a:ext cx="2281428" cy="2281428"/>
+            </a:xfrm>
+            <a:prstGeom prst="rect">
+              <a:avLst/>
+            </a:prstGeom>
+            <a:solidFill>
+              <a:srgbClr val="22AC38"/>
+            </a:solidFill>
+            <a:ln>
+              <a:solidFill>
+                <a:srgbClr val="22AC38"/>
+              </a:solidFill>
+            </a:ln>
+          </p:spPr>
+          <p:style>
+            <a:lnRef idx="2">
+              <a:schemeClr val="accent1">
+                <a:shade val="50000"/>
+              </a:schemeClr>
+            </a:lnRef>
+            <a:fillRef idx="1">
+              <a:schemeClr val="accent1"/>
+            </a:fillRef>
+            <a:effectRef idx="0">
+              <a:schemeClr val="accent1"/>
+            </a:effectRef>
+            <a:fontRef idx="minor">
+              <a:schemeClr val="lt1"/>
+            </a:fontRef>
+          </p:style>
+          <p:txBody>
+            <a:bodyPr rtlCol="0" anchor="ctr"/>
+            <a:lstStyle/>
+            <a:p>
+              <a:pPr algn="ctr"/>
+              <a:endParaRPr lang="zh-CN" altLang="en-US"/>
+            </a:p>
+          </p:txBody>
+        </p:sp>
+        <p:pic>
+          <p:nvPicPr>
+            <p:cNvPr id="3" name="图片 2"/>
+            <p:cNvPicPr>
+              <a:picLocks noChangeAspect="1"/>
+            </p:cNvPicPr>
+            <p:nvPr/>
+          </p:nvPicPr>
+          <p:blipFill>
+            <a:blip r:embed="rId4">
+              <a:extLst>
+                <a:ext uri="{28A0092B-C50C-407E-A947-70E740481C1C}">
+                  <a14:useLocalDpi xmlns:a14="http://schemas.microsoft.com/office/drawing/2010/main" val="0"/>
+                </a:ext>
+              </a:extLst>
+            </a:blip>
+            <a:stretch>
+              <a:fillRect/>
+            </a:stretch>
+          </p:blipFill>
+          <p:spPr>
+            <a:xfrm>
+              <a:off x="8691372" y="4121864"/>
+              <a:ext cx="1219200" cy="1219200"/>
+            </a:xfrm>
+            <a:prstGeom prst="rect">
+              <a:avLst/>
+            </a:prstGeom>
+            <a:ln>
+              <a:solidFill>
+                <a:srgbClr val="22AC38"/>
+              </a:solidFill>
+            </a:ln>
+          </p:spPr>
+        </p:pic>
+      </p:grpSp>
+      <p:pic>
+        <p:nvPicPr>
+          <p:cNvPr id="8" name="图片 7"/>
+          <p:cNvPicPr>
+            <a:picLocks noChangeAspect="1"/>
+          </p:cNvPicPr>
+          <p:nvPr/>
+        </p:nvPicPr>
+        <p:blipFill>
+          <a:blip r:embed="rId5"/>
+          <a:stretch>
+            <a:fillRect/>
+          </a:stretch>
+        </p:blipFill>
+        <p:spPr>
+          <a:xfrm>
+            <a:off x="1554443" y="798875"/>
+            <a:ext cx="853514" cy="190517"/>
+          </a:xfrm>
+          <a:prstGeom prst="rect">
+            <a:avLst/>
+          </a:prstGeom>
+        </p:spPr>
+      </p:pic>
+      <p:grpSp>
+        <p:nvGrpSpPr>
+          <p:cNvPr id="11" name="组合 10"/>
+          <p:cNvGrpSpPr/>
+          <p:nvPr/>
+        </p:nvGrpSpPr>
+        <p:grpSpPr>
+          <a:xfrm>
+            <a:off x="5054346" y="695150"/>
+            <a:ext cx="2281428" cy="2281428"/>
+            <a:chOff x="5054346" y="695150"/>
+            <a:chExt cx="2281428" cy="2281428"/>
+          </a:xfrm>
+        </p:grpSpPr>
+        <p:sp>
+          <p:nvSpPr>
+            <p:cNvPr id="7" name="矩形 6"/>
+            <p:cNvSpPr/>
+            <p:nvPr/>
+          </p:nvSpPr>
+          <p:spPr>
+            <a:xfrm>
+              <a:off x="5054346" y="695150"/>
+              <a:ext cx="2281428" cy="2281428"/>
+            </a:xfrm>
+            <a:prstGeom prst="rect">
+              <a:avLst/>
+            </a:prstGeom>
+            <a:solidFill>
+              <a:srgbClr val="1890FF"/>
+            </a:solidFill>
+            <a:ln>
+              <a:solidFill>
+                <a:srgbClr val="1890FF"/>
+              </a:solidFill>
+            </a:ln>
+          </p:spPr>
+          <p:style>
+            <a:lnRef idx="2">
+              <a:schemeClr val="accent1">
+                <a:shade val="50000"/>
+              </a:schemeClr>
+            </a:lnRef>
+            <a:fillRef idx="1">
+              <a:schemeClr val="accent1"/>
+            </a:fillRef>
+            <a:effectRef idx="0">
+              <a:schemeClr val="accent1"/>
+            </a:effectRef>
+            <a:fontRef idx="minor">
+              <a:schemeClr val="lt1"/>
+            </a:fontRef>
+          </p:style>
+          <p:txBody>
+            <a:bodyPr rtlCol="0" anchor="ctr"/>
+            <a:lstStyle/>
+            <a:p>
+              <a:pPr algn="ctr"/>
+              <a:endParaRPr lang="zh-CN" altLang="en-US"/>
+            </a:p>
+          </p:txBody>
+        </p:sp>
+        <p:pic>
+          <p:nvPicPr>
+            <p:cNvPr id="9" name="图片 8"/>
+            <p:cNvPicPr>
+              <a:picLocks noChangeAspect="1"/>
+            </p:cNvPicPr>
+            <p:nvPr/>
+          </p:nvPicPr>
+          <p:blipFill>
+            <a:blip r:embed="rId6">
+              <a:extLst>
+                <a:ext uri="{28A0092B-C50C-407E-A947-70E740481C1C}">
+                  <a14:useLocalDpi xmlns:a14="http://schemas.microsoft.com/office/drawing/2010/main" val="0"/>
+                </a:ext>
+              </a:extLst>
+            </a:blip>
+            <a:stretch>
+              <a:fillRect/>
+            </a:stretch>
+          </p:blipFill>
+          <p:spPr>
+            <a:xfrm>
+              <a:off x="5538354" y="1291137"/>
+              <a:ext cx="1304925" cy="1219200"/>
+            </a:xfrm>
+            <a:prstGeom prst="rect">
+              <a:avLst/>
+            </a:prstGeom>
+          </p:spPr>
+        </p:pic>
+      </p:grpSp>
+    </p:spTree>
+    <p:extLst>
+      <p:ext uri="{BB962C8B-B14F-4D97-AF65-F5344CB8AC3E}">
+        <p14:creationId xmlns:p14="http://schemas.microsoft.com/office/powerpoint/2010/main" val="953192995"/>
+      </p:ext>
+    </p:extLst>
+  </p:cSld>
+  <p:clrMapOvr>
+    <a:masterClrMapping/>
+  </p:clrMapOvr>
+</p:sld>
+</file>
+
 <file path=ppt/theme/theme1.xml><?xml version="1.0" encoding="utf-8"?>
 <a:theme xmlns:a="http://schemas.openxmlformats.org/drawingml/2006/main" name="Office 主题">
   <a:themeElements>
